--- a/Strategic Locations to Convert Casual Riders into Member.pptx
+++ b/Strategic Locations to Convert Casual Riders into Member.pptx
@@ -283,7 +283,7 @@
           <a:p>
             <a:fld id="{8B5326F3-530D-4AA0-8518-026A426B24B4}" type="datetimeFigureOut">
               <a:rPr lang="en-ID" smtClean="0"/>
-              <a:t>15/03/2022</a:t>
+              <a:t>17/03/2022</a:t>
             </a:fld>
             <a:endParaRPr lang="en-ID"/>
           </a:p>
@@ -483,7 +483,7 @@
           <a:p>
             <a:fld id="{8B5326F3-530D-4AA0-8518-026A426B24B4}" type="datetimeFigureOut">
               <a:rPr lang="en-ID" smtClean="0"/>
-              <a:t>15/03/2022</a:t>
+              <a:t>17/03/2022</a:t>
             </a:fld>
             <a:endParaRPr lang="en-ID"/>
           </a:p>
@@ -693,7 +693,7 @@
           <a:p>
             <a:fld id="{8B5326F3-530D-4AA0-8518-026A426B24B4}" type="datetimeFigureOut">
               <a:rPr lang="en-ID" smtClean="0"/>
-              <a:t>15/03/2022</a:t>
+              <a:t>17/03/2022</a:t>
             </a:fld>
             <a:endParaRPr lang="en-ID"/>
           </a:p>
@@ -893,7 +893,7 @@
           <a:p>
             <a:fld id="{8B5326F3-530D-4AA0-8518-026A426B24B4}" type="datetimeFigureOut">
               <a:rPr lang="en-ID" smtClean="0"/>
-              <a:t>15/03/2022</a:t>
+              <a:t>17/03/2022</a:t>
             </a:fld>
             <a:endParaRPr lang="en-ID"/>
           </a:p>
@@ -1169,7 +1169,7 @@
           <a:p>
             <a:fld id="{8B5326F3-530D-4AA0-8518-026A426B24B4}" type="datetimeFigureOut">
               <a:rPr lang="en-ID" smtClean="0"/>
-              <a:t>15/03/2022</a:t>
+              <a:t>17/03/2022</a:t>
             </a:fld>
             <a:endParaRPr lang="en-ID"/>
           </a:p>
@@ -1437,7 +1437,7 @@
           <a:p>
             <a:fld id="{8B5326F3-530D-4AA0-8518-026A426B24B4}" type="datetimeFigureOut">
               <a:rPr lang="en-ID" smtClean="0"/>
-              <a:t>15/03/2022</a:t>
+              <a:t>17/03/2022</a:t>
             </a:fld>
             <a:endParaRPr lang="en-ID"/>
           </a:p>
@@ -1852,7 +1852,7 @@
           <a:p>
             <a:fld id="{8B5326F3-530D-4AA0-8518-026A426B24B4}" type="datetimeFigureOut">
               <a:rPr lang="en-ID" smtClean="0"/>
-              <a:t>15/03/2022</a:t>
+              <a:t>17/03/2022</a:t>
             </a:fld>
             <a:endParaRPr lang="en-ID"/>
           </a:p>
@@ -1994,7 +1994,7 @@
           <a:p>
             <a:fld id="{8B5326F3-530D-4AA0-8518-026A426B24B4}" type="datetimeFigureOut">
               <a:rPr lang="en-ID" smtClean="0"/>
-              <a:t>15/03/2022</a:t>
+              <a:t>17/03/2022</a:t>
             </a:fld>
             <a:endParaRPr lang="en-ID"/>
           </a:p>
@@ -2107,7 +2107,7 @@
           <a:p>
             <a:fld id="{8B5326F3-530D-4AA0-8518-026A426B24B4}" type="datetimeFigureOut">
               <a:rPr lang="en-ID" smtClean="0"/>
-              <a:t>15/03/2022</a:t>
+              <a:t>17/03/2022</a:t>
             </a:fld>
             <a:endParaRPr lang="en-ID"/>
           </a:p>
@@ -2420,7 +2420,7 @@
           <a:p>
             <a:fld id="{8B5326F3-530D-4AA0-8518-026A426B24B4}" type="datetimeFigureOut">
               <a:rPr lang="en-ID" smtClean="0"/>
-              <a:t>15/03/2022</a:t>
+              <a:t>17/03/2022</a:t>
             </a:fld>
             <a:endParaRPr lang="en-ID"/>
           </a:p>
@@ -2709,7 +2709,7 @@
           <a:p>
             <a:fld id="{8B5326F3-530D-4AA0-8518-026A426B24B4}" type="datetimeFigureOut">
               <a:rPr lang="en-ID" smtClean="0"/>
-              <a:t>15/03/2022</a:t>
+              <a:t>17/03/2022</a:t>
             </a:fld>
             <a:endParaRPr lang="en-ID"/>
           </a:p>
@@ -2955,7 +2955,7 @@
           <a:p>
             <a:fld id="{8B5326F3-530D-4AA0-8518-026A426B24B4}" type="datetimeFigureOut">
               <a:rPr lang="en-ID" smtClean="0"/>
-              <a:t>15/03/2022</a:t>
+              <a:t>17/03/2022</a:t>
             </a:fld>
             <a:endParaRPr lang="en-ID"/>
           </a:p>
@@ -4943,13 +4943,13 @@
         </p:nvSpPr>
         <p:spPr>
           <a:xfrm>
-            <a:off x="838200" y="1748625"/>
-            <a:ext cx="10515600" cy="3794090"/>
+            <a:off x="838200" y="2331211"/>
+            <a:ext cx="10515600" cy="2195578"/>
           </a:xfrm>
         </p:spPr>
         <p:txBody>
           <a:bodyPr>
-            <a:normAutofit lnSpcReduction="10000"/>
+            <a:normAutofit/>
           </a:bodyPr>
           <a:lstStyle/>
           <a:p>
@@ -5005,18 +5005,41 @@
               <a:t>casual riders to member riders within these stations.</a:t>
             </a:r>
           </a:p>
+        </p:txBody>
+      </p:sp>
+      <p:sp>
+        <p:nvSpPr>
+          <p:cNvPr id="4" name="TextBox 3">
+            <a:extLst>
+              <a:ext uri="{FF2B5EF4-FFF2-40B4-BE49-F238E27FC236}">
+                <a16:creationId xmlns:a16="http://schemas.microsoft.com/office/drawing/2014/main" id="{B9A1005E-4E12-41BF-8A6F-07E97E20FEEF}"/>
+              </a:ext>
+            </a:extLst>
+          </p:cNvPr>
+          <p:cNvSpPr txBox="1"/>
+          <p:nvPr/>
+        </p:nvSpPr>
+        <p:spPr>
+          <a:xfrm>
+            <a:off x="0" y="6488668"/>
+            <a:ext cx="12192000" cy="369332"/>
+          </a:xfrm>
+          <a:prstGeom prst="rect">
+            <a:avLst/>
+          </a:prstGeom>
+          <a:noFill/>
+        </p:spPr>
+        <p:txBody>
+          <a:bodyPr wrap="square">
+            <a:spAutoFit/>
+          </a:bodyPr>
+          <a:lstStyle/>
           <a:p>
             <a:pPr marL="0" indent="0" algn="ctr">
               <a:buNone/>
             </a:pPr>
-            <a:endParaRPr lang="en-ID" sz="3600" dirty="0"/>
-          </a:p>
-          <a:p>
-            <a:pPr marL="0" indent="0" algn="ctr">
-              <a:buNone/>
-            </a:pPr>
-            <a:r>
-              <a:rPr lang="en-ID" sz="3600" i="1" dirty="0">
+            <a:r>
+              <a:rPr lang="en-ID" sz="1800" i="1" dirty="0">
                 <a:solidFill>
                   <a:schemeClr val="accent1"/>
                 </a:solidFill>
@@ -5024,15 +5047,15 @@
               <a:t>Clark St &amp; Elm St </a:t>
             </a:r>
             <a:r>
-              <a:rPr lang="en-ID" sz="3600" i="1" dirty="0"/>
+              <a:rPr lang="en-ID" sz="1800" i="1" dirty="0"/>
               <a:t>station ranked 1</a:t>
             </a:r>
             <a:r>
-              <a:rPr lang="en-ID" sz="3600" i="1" baseline="30000" dirty="0"/>
+              <a:rPr lang="en-ID" sz="1800" i="1" baseline="30000" dirty="0"/>
               <a:t>st</a:t>
             </a:r>
             <a:r>
-              <a:rPr lang="en-ID" sz="3600" i="1" dirty="0"/>
+              <a:rPr lang="en-ID" sz="1800" i="1" dirty="0"/>
               <a:t> in Top 10 Member Riders’ Top Starting Stations</a:t>
             </a:r>
           </a:p>
@@ -5152,7 +5175,7 @@
             </a:r>
             <a:r>
               <a:rPr lang="en-ID" sz="3600" i="1" dirty="0"/>
-              <a:t>at Top 10 Member Riders’ Most Starting Stations.</a:t>
+              <a:t>at Top 10 Member Riders’ Starting Stations.</a:t>
             </a:r>
           </a:p>
         </p:txBody>
